--- a/ResultatsConcours/BDD.pptx
+++ b/ResultatsConcours/BDD.pptx
@@ -3508,6 +3508,12 @@
               <a:t>5/2</a:t>
             </a:r>
           </a:p>
+          <a:p>
+            <a:r>
+              <a:rPr lang="fr-FR" dirty="0"/>
+              <a:t>Classe</a:t>
+            </a:r>
+          </a:p>
         </p:txBody>
       </p:sp>
     </p:spTree>
@@ -3756,7 +3762,7 @@
                 <a:effectLst/>
                 <a:latin typeface="Franklin Gothic Book" panose="020B0503020102020204" pitchFamily="34" charset="0"/>
               </a:rPr>
-              <a:t>Statut	</a:t>
+              <a:t>admissible	</a:t>
             </a:r>
           </a:p>
           <a:p>
@@ -4506,7 +4512,10 @@
           <a:bodyPr/>
           <a:lstStyle/>
           <a:p>
-            <a:endParaRPr lang="fr-FR"/>
+            <a:r>
+              <a:rPr lang="fr-FR" dirty="0"/>
+              <a:t>Lecture d’un fichier école</a:t>
+            </a:r>
           </a:p>
         </p:txBody>
       </p:sp>
@@ -4531,7 +4540,41 @@
           <a:bodyPr/>
           <a:lstStyle/>
           <a:p>
-            <a:endParaRPr lang="fr-FR"/>
+            <a:r>
+              <a:rPr lang="fr-FR" dirty="0"/>
+              <a:t>On vérifie que l’élève existe</a:t>
+            </a:r>
+          </a:p>
+          <a:p>
+            <a:pPr lvl="1"/>
+            <a:r>
+              <a:rPr lang="fr-FR" dirty="0"/>
+              <a:t>S’il n’existe pas on l’ajoute</a:t>
+            </a:r>
+          </a:p>
+          <a:p>
+            <a:pPr lvl="1"/>
+            <a:r>
+              <a:rPr lang="fr-FR" dirty="0"/>
+              <a:t>On ajoute ses notes</a:t>
+            </a:r>
+          </a:p>
+          <a:p>
+            <a:pPr lvl="1"/>
+            <a:r>
+              <a:rPr lang="fr-FR" dirty="0"/>
+              <a:t>On ajoute la barre</a:t>
+            </a:r>
+          </a:p>
+          <a:p>
+            <a:pPr lvl="1"/>
+            <a:endParaRPr lang="fr-FR" dirty="0"/>
+          </a:p>
+          <a:p>
+            <a:pPr marL="0" indent="0">
+              <a:buNone/>
+            </a:pPr>
+            <a:endParaRPr lang="fr-FR" dirty="0"/>
           </a:p>
         </p:txBody>
       </p:sp>
